--- a/Lamborghini.pptx
+++ b/Lamborghini.pptx
@@ -5,14 +5,17 @@
     <p:sldMasterId id="2147483648" r:id="rId1"/>
   </p:sldMasterIdLst>
   <p:notesMasterIdLst>
-    <p:notesMasterId r:id="rId7"/>
+    <p:notesMasterId r:id="rId10"/>
   </p:notesMasterIdLst>
   <p:sldIdLst>
     <p:sldId id="256" r:id="rId2"/>
     <p:sldId id="257" r:id="rId3"/>
-    <p:sldId id="258" r:id="rId4"/>
-    <p:sldId id="259" r:id="rId5"/>
-    <p:sldId id="260" r:id="rId6"/>
+    <p:sldId id="261" r:id="rId4"/>
+    <p:sldId id="258" r:id="rId5"/>
+    <p:sldId id="262" r:id="rId6"/>
+    <p:sldId id="263" r:id="rId7"/>
+    <p:sldId id="260" r:id="rId8"/>
+    <p:sldId id="264" r:id="rId9"/>
   </p:sldIdLst>
   <p:sldSz cx="12192000" cy="6858000"/>
   <p:notesSz cx="6858000" cy="9144000"/>
@@ -111,6 +114,11 @@
       </a:defRPr>
     </a:lvl9pPr>
   </p:defaultTextStyle>
+  <p:extLst>
+    <p:ext uri="{EFAFB233-063F-42B5-8137-9DF3F51BA10A}">
+      <p15:sldGuideLst xmlns:p15="http://schemas.microsoft.com/office/powerpoint/2012/main"/>
+    </p:ext>
+  </p:extLst>
 </p:presentation>
 </file>
 
@@ -196,7 +204,7 @@
           <a:p>
             <a:fld id="{8DB92F74-F857-41E7-8038-BE099B3177A4}" type="datetimeFigureOut">
               <a:rPr lang="hu-HU" smtClean="0"/>
-              <a:t>2021. 12. 05.</a:t>
+              <a:t>2021.12.06</a:t>
             </a:fld>
             <a:endParaRPr lang="hu-HU"/>
           </a:p>
@@ -610,7 +618,7 @@
           <a:p>
             <a:fld id="{925CCAEC-AF6D-417F-8224-4795C86AB0F3}" type="datetime1">
               <a:rPr lang="hu-HU" smtClean="0"/>
-              <a:t>2021. 12. 05.</a:t>
+              <a:t>2021.12.06</a:t>
             </a:fld>
             <a:endParaRPr lang="hu-HU"/>
           </a:p>
@@ -884,7 +892,7 @@
           <a:p>
             <a:fld id="{D007B875-1C56-4A4F-8033-8682D13A5428}" type="datetime1">
               <a:rPr lang="hu-HU" smtClean="0"/>
-              <a:t>2021. 12. 05.</a:t>
+              <a:t>2021.12.06</a:t>
             </a:fld>
             <a:endParaRPr lang="hu-HU"/>
           </a:p>
@@ -1095,7 +1103,7 @@
           <a:p>
             <a:fld id="{DA3D9931-41FA-4541-AED0-7EC8E95663B2}" type="datetime1">
               <a:rPr lang="hu-HU" smtClean="0"/>
-              <a:t>2021. 12. 05.</a:t>
+              <a:t>2021.12.06</a:t>
             </a:fld>
             <a:endParaRPr lang="hu-HU"/>
           </a:p>
@@ -1268,7 +1276,7 @@
           <a:p>
             <a:fld id="{1170AE54-CE03-4F4B-B247-13C39EB486EB}" type="datetime1">
               <a:rPr lang="hu-HU" smtClean="0"/>
-              <a:t>2021. 12. 05.</a:t>
+              <a:t>2021.12.06</a:t>
             </a:fld>
             <a:endParaRPr lang="hu-HU"/>
           </a:p>
@@ -1647,7 +1655,7 @@
           <a:p>
             <a:fld id="{21EB497E-5DEC-49B9-B5D2-69EAAB44C620}" type="datetime1">
               <a:rPr lang="hu-HU" smtClean="0"/>
-              <a:t>2021. 12. 05.</a:t>
+              <a:t>2021.12.06</a:t>
             </a:fld>
             <a:endParaRPr lang="hu-HU"/>
           </a:p>
@@ -1915,7 +1923,7 @@
           <a:p>
             <a:fld id="{68A98623-05FF-4366-A621-2F32CEDD9DCB}" type="datetime1">
               <a:rPr lang="hu-HU" smtClean="0"/>
-              <a:t>2021. 12. 05.</a:t>
+              <a:t>2021.12.06</a:t>
             </a:fld>
             <a:endParaRPr lang="hu-HU"/>
           </a:p>
@@ -2330,7 +2338,7 @@
           <a:p>
             <a:fld id="{1D84587A-2BE9-466C-8EB3-A8F1281DF2B0}" type="datetime1">
               <a:rPr lang="hu-HU" smtClean="0"/>
-              <a:t>2021. 12. 05.</a:t>
+              <a:t>2021.12.06</a:t>
             </a:fld>
             <a:endParaRPr lang="hu-HU"/>
           </a:p>
@@ -2474,7 +2482,7 @@
           <a:p>
             <a:fld id="{A64694DB-1222-4194-A751-EA465C8C55B5}" type="datetime1">
               <a:rPr lang="hu-HU" smtClean="0"/>
-              <a:t>2021. 12. 05.</a:t>
+              <a:t>2021.12.06</a:t>
             </a:fld>
             <a:endParaRPr lang="hu-HU"/>
           </a:p>
@@ -2590,7 +2598,7 @@
           <a:p>
             <a:fld id="{C0F34FB1-B247-49EF-9297-CC3DBE2353EA}" type="datetime1">
               <a:rPr lang="hu-HU" smtClean="0"/>
-              <a:t>2021. 12. 05.</a:t>
+              <a:t>2021.12.06</a:t>
             </a:fld>
             <a:endParaRPr lang="hu-HU"/>
           </a:p>
@@ -2904,7 +2912,7 @@
           <a:p>
             <a:fld id="{BF4B0175-5EEC-41E9-8272-464A32F191E2}" type="datetime1">
               <a:rPr lang="hu-HU" smtClean="0"/>
-              <a:t>2021. 12. 05.</a:t>
+              <a:t>2021.12.06</a:t>
             </a:fld>
             <a:endParaRPr lang="hu-HU"/>
           </a:p>
@@ -3195,7 +3203,7 @@
           <a:p>
             <a:fld id="{EEB8C987-0A72-4F79-A514-435E4785E88F}" type="datetime1">
               <a:rPr lang="hu-HU" smtClean="0"/>
-              <a:t>2021. 12. 05.</a:t>
+              <a:t>2021.12.06</a:t>
             </a:fld>
             <a:endParaRPr lang="hu-HU"/>
           </a:p>
@@ -3453,7 +3461,7 @@
           <a:p>
             <a:fld id="{67BDFF06-744F-46A3-BCA6-C479323CA6DA}" type="datetime1">
               <a:rPr lang="hu-HU" smtClean="0"/>
-              <a:t>2021. 12. 05.</a:t>
+              <a:t>2021.12.06</a:t>
             </a:fld>
             <a:endParaRPr lang="hu-HU"/>
           </a:p>
@@ -3926,31 +3934,6 @@
       </p:sp>
       <p:sp>
         <p:nvSpPr>
-          <p:cNvPr id="3" name="Alcím 2">
-            <a:extLst>
-              <a:ext uri="{FF2B5EF4-FFF2-40B4-BE49-F238E27FC236}">
-                <a16:creationId xmlns:a16="http://schemas.microsoft.com/office/drawing/2014/main" id="{122A3BF8-100F-49B3-8B02-350524C638E5}"/>
-              </a:ext>
-            </a:extLst>
-          </p:cNvPr>
-          <p:cNvSpPr>
-            <a:spLocks noGrp="1"/>
-          </p:cNvSpPr>
-          <p:nvPr>
-            <p:ph type="subTitle" idx="1"/>
-          </p:nvPr>
-        </p:nvSpPr>
-        <p:spPr/>
-        <p:txBody>
-          <a:bodyPr/>
-          <a:lstStyle/>
-          <a:p>
-            <a:endParaRPr lang="hu-HU" dirty="0"/>
-          </a:p>
-        </p:txBody>
-      </p:sp>
-      <p:sp>
-        <p:nvSpPr>
           <p:cNvPr id="4" name="Élőláb helye 3">
             <a:extLst>
               <a:ext uri="{FF2B5EF4-FFF2-40B4-BE49-F238E27FC236}">
@@ -4011,6 +3994,25 @@
   <p:clrMapOvr>
     <a:masterClrMapping/>
   </p:clrMapOvr>
+  <mc:AlternateContent xmlns:mc="http://schemas.openxmlformats.org/markup-compatibility/2006">
+    <mc:Choice xmlns:p14="http://schemas.microsoft.com/office/powerpoint/2010/main" Requires="p14">
+      <p:transition spd="med" p14:dur="700">
+        <p:fade/>
+      </p:transition>
+    </mc:Choice>
+    <mc:Fallback>
+      <p:transition spd="med">
+        <p:fade/>
+      </p:transition>
+    </mc:Fallback>
+  </mc:AlternateContent>
+  <p:timing>
+    <p:tnLst>
+      <p:par>
+        <p:cTn id="1" dur="indefinite" restart="never" nodeType="tmRoot"/>
+      </p:par>
+    </p:tnLst>
+  </p:timing>
 </p:sld>
 </file>
 
@@ -4049,7 +4051,7 @@
         </p:nvSpPr>
         <p:spPr>
           <a:xfrm>
-            <a:off x="838200" y="365125"/>
+            <a:off x="838199" y="0"/>
             <a:ext cx="10515600" cy="1325563"/>
           </a:xfrm>
         </p:spPr>
@@ -4057,72 +4059,142 @@
           <a:bodyPr/>
           <a:lstStyle/>
           <a:p>
-            <a:endParaRPr lang="hu-HU"/>
-          </a:p>
-        </p:txBody>
-      </p:sp>
-      <p:sp>
-        <p:nvSpPr>
-          <p:cNvPr id="3" name="Tartalom helye 2">
-            <a:extLst>
-              <a:ext uri="{FF2B5EF4-FFF2-40B4-BE49-F238E27FC236}">
-                <a16:creationId xmlns:a16="http://schemas.microsoft.com/office/drawing/2014/main" id="{34F2E872-96D7-4D58-B4AB-94BDBE363982}"/>
-              </a:ext>
-            </a:extLst>
-          </p:cNvPr>
-          <p:cNvSpPr>
-            <a:spLocks noGrp="1"/>
-          </p:cNvSpPr>
-          <p:nvPr>
-            <p:ph idx="1"/>
-          </p:nvPr>
-        </p:nvSpPr>
-        <p:spPr/>
-        <p:txBody>
-          <a:bodyPr/>
-          <a:lstStyle/>
-          <a:p>
-            <a:endParaRPr lang="hu-HU"/>
-          </a:p>
-        </p:txBody>
-      </p:sp>
-      <p:sp>
-        <p:nvSpPr>
-          <p:cNvPr id="4" name="Élőláb helye 3">
-            <a:extLst>
-              <a:ext uri="{FF2B5EF4-FFF2-40B4-BE49-F238E27FC236}">
-                <a16:creationId xmlns:a16="http://schemas.microsoft.com/office/drawing/2014/main" id="{8140E50E-C8C3-4D5C-A7C0-D77F96F31939}"/>
-              </a:ext>
-            </a:extLst>
-          </p:cNvPr>
-          <p:cNvSpPr>
-            <a:spLocks noGrp="1"/>
-          </p:cNvSpPr>
-          <p:nvPr>
-            <p:ph type="ftr" sz="quarter" idx="11"/>
-          </p:nvPr>
-        </p:nvSpPr>
-        <p:spPr/>
-        <p:txBody>
-          <a:bodyPr/>
-          <a:lstStyle/>
-          <a:p>
-            <a:r>
-              <a:rPr lang="hu-HU">
-                <a:ln w="3175">
+            <a:pPr algn="ctr"/>
+            <a:r>
+              <a:rPr lang="hu-HU" b="1" dirty="0" smtClean="0">
+                <a:ln>
                   <a:solidFill>
-                    <a:schemeClr val="bg1"/>
+                    <a:schemeClr val="tx1"/>
                   </a:solidFill>
                 </a:ln>
                 <a:solidFill>
+                  <a:schemeClr val="bg1"/>
+                </a:solidFill>
+              </a:rPr>
+              <a:t>Főoldal</a:t>
+            </a:r>
+            <a:endParaRPr lang="hu-HU" b="1" dirty="0">
+              <a:ln>
+                <a:solidFill>
                   <a:schemeClr val="tx1"/>
                 </a:solidFill>
+              </a:ln>
+              <a:solidFill>
+                <a:schemeClr val="bg1"/>
+              </a:solidFill>
+            </a:endParaRPr>
+          </a:p>
+        </p:txBody>
+      </p:sp>
+      <p:pic>
+        <p:nvPicPr>
+          <p:cNvPr id="5" name="Tartalom helye 4"/>
+          <p:cNvPicPr>
+            <a:picLocks noGrp="1" noChangeAspect="1"/>
+          </p:cNvPicPr>
+          <p:nvPr>
+            <p:ph idx="1"/>
+          </p:nvPr>
+        </p:nvPicPr>
+        <p:blipFill>
+          <a:blip r:embed="rId2"/>
+          <a:stretch>
+            <a:fillRect/>
+          </a:stretch>
+        </p:blipFill>
+        <p:spPr>
+          <a:xfrm>
+            <a:off x="1789520" y="2506662"/>
+            <a:ext cx="8612957" cy="4351338"/>
+          </a:xfrm>
+          <a:prstGeom prst="rect">
+            <a:avLst/>
+          </a:prstGeom>
+        </p:spPr>
+      </p:pic>
+      <p:sp>
+        <p:nvSpPr>
+          <p:cNvPr id="6" name="Szövegdoboz 5"/>
+          <p:cNvSpPr txBox="1"/>
+          <p:nvPr/>
+        </p:nvSpPr>
+        <p:spPr>
+          <a:xfrm>
+            <a:off x="0" y="1579418"/>
+            <a:ext cx="12192000" cy="923330"/>
+          </a:xfrm>
+          <a:prstGeom prst="rect">
+            <a:avLst/>
+          </a:prstGeom>
+          <a:noFill/>
+        </p:spPr>
+        <p:txBody>
+          <a:bodyPr wrap="square" rtlCol="0">
+            <a:spAutoFit/>
+          </a:bodyPr>
+          <a:lstStyle/>
+          <a:p>
+            <a:r>
+              <a:rPr lang="hu-HU" dirty="0" smtClean="0">
+                <a:solidFill>
+                  <a:schemeClr val="bg1"/>
+                </a:solidFill>
               </a:rPr>
-              <a:t>Készítők: Ackermann Roland; Blümmel Zétény; Csizmazia Máté</a:t>
-            </a:r>
-          </a:p>
-          <a:p>
-            <a:endParaRPr lang="hu-HU" dirty="0"/>
+              <a:t>A </a:t>
+            </a:r>
+            <a:r>
+              <a:rPr lang="hu-HU" dirty="0" err="1" smtClean="0">
+                <a:solidFill>
+                  <a:schemeClr val="bg1"/>
+                </a:solidFill>
+              </a:rPr>
+              <a:t>főoldal</a:t>
+            </a:r>
+            <a:r>
+              <a:rPr lang="hu-HU" dirty="0" smtClean="0">
+                <a:solidFill>
+                  <a:schemeClr val="bg1"/>
+                </a:solidFill>
+              </a:rPr>
+              <a:t> készítése során törekedtünk a design-</a:t>
+            </a:r>
+            <a:r>
+              <a:rPr lang="hu-HU" dirty="0" err="1" smtClean="0">
+                <a:solidFill>
+                  <a:schemeClr val="bg1"/>
+                </a:solidFill>
+              </a:rPr>
+              <a:t>os</a:t>
+            </a:r>
+            <a:r>
+              <a:rPr lang="hu-HU" dirty="0" smtClean="0">
+                <a:solidFill>
+                  <a:schemeClr val="bg1"/>
+                </a:solidFill>
+              </a:rPr>
+              <a:t> megjelenésre és az átláthatóságra. Próbáltuk a </a:t>
+            </a:r>
+            <a:r>
+              <a:rPr lang="hu-HU" dirty="0" err="1" smtClean="0">
+                <a:solidFill>
+                  <a:schemeClr val="bg1"/>
+                </a:solidFill>
+              </a:rPr>
+              <a:t>főoldalt</a:t>
+            </a:r>
+            <a:r>
+              <a:rPr lang="hu-HU" dirty="0" smtClean="0">
+                <a:solidFill>
+                  <a:schemeClr val="bg1"/>
+                </a:solidFill>
+              </a:rPr>
+              <a:t> úgy megcsinálni hogy az bárki számára egyszerű és érthető legyen. Az elérhetőségeinket is feltüntettük, illetve a készítők nevét is ide írtuk. Az oldal közepén megtalálható még a főhadiszállásunk és egy rövid leírás rólunk. </a:t>
+            </a:r>
+            <a:endParaRPr lang="hu-HU" dirty="0">
+              <a:solidFill>
+                <a:schemeClr val="bg1"/>
+              </a:solidFill>
+            </a:endParaRPr>
           </a:p>
         </p:txBody>
       </p:sp>
@@ -4136,6 +4208,25 @@
   <p:clrMapOvr>
     <a:masterClrMapping/>
   </p:clrMapOvr>
+  <mc:AlternateContent xmlns:mc="http://schemas.openxmlformats.org/markup-compatibility/2006">
+    <mc:Choice xmlns:p14="http://schemas.microsoft.com/office/powerpoint/2010/main" Requires="p14">
+      <p:transition spd="med" p14:dur="700">
+        <p:fade/>
+      </p:transition>
+    </mc:Choice>
+    <mc:Fallback>
+      <p:transition spd="med">
+        <p:fade/>
+      </p:transition>
+    </mc:Fallback>
+  </mc:AlternateContent>
+  <p:timing>
+    <p:tnLst>
+      <p:par>
+        <p:cTn id="1" dur="indefinite" restart="never" nodeType="tmRoot"/>
+      </p:par>
+    </p:tnLst>
+  </p:timing>
 </p:sld>
 </file>
 
@@ -4158,48 +4249,83 @@
       </p:grpSpPr>
       <p:sp>
         <p:nvSpPr>
-          <p:cNvPr id="2" name="Cím 1">
-            <a:extLst>
-              <a:ext uri="{FF2B5EF4-FFF2-40B4-BE49-F238E27FC236}">
-                <a16:creationId xmlns:a16="http://schemas.microsoft.com/office/drawing/2014/main" id="{4151341C-0A61-4D9B-B5F3-83DF76419862}"/>
-              </a:ext>
-            </a:extLst>
-          </p:cNvPr>
-          <p:cNvSpPr>
-            <a:spLocks noGrp="1"/>
-          </p:cNvSpPr>
-          <p:nvPr>
-            <p:ph type="title"/>
+          <p:cNvPr id="2" name="Tartalom helye 1"/>
+          <p:cNvSpPr>
+            <a:spLocks noGrp="1"/>
+          </p:cNvSpPr>
+          <p:nvPr>
+            <p:ph idx="1"/>
           </p:nvPr>
         </p:nvSpPr>
         <p:spPr>
           <a:xfrm>
-            <a:off x="838200" y="365125"/>
-            <a:ext cx="10515600" cy="1325563"/>
+            <a:off x="0" y="1825625"/>
+            <a:ext cx="12192000" cy="4351338"/>
           </a:xfrm>
         </p:spPr>
         <p:txBody>
           <a:bodyPr/>
           <a:lstStyle/>
           <a:p>
-            <a:endParaRPr lang="hu-HU"/>
-          </a:p>
-        </p:txBody>
-      </p:sp>
-      <p:sp>
-        <p:nvSpPr>
-          <p:cNvPr id="3" name="Tartalom helye 2">
-            <a:extLst>
-              <a:ext uri="{FF2B5EF4-FFF2-40B4-BE49-F238E27FC236}">
-                <a16:creationId xmlns:a16="http://schemas.microsoft.com/office/drawing/2014/main" id="{F6CBC685-C3E8-4BBD-86A8-4097A9DA9CCB}"/>
-              </a:ext>
-            </a:extLst>
-          </p:cNvPr>
-          <p:cNvSpPr>
-            <a:spLocks noGrp="1"/>
-          </p:cNvSpPr>
-          <p:nvPr>
-            <p:ph idx="1"/>
+            <a:pPr marL="0" indent="0">
+              <a:buNone/>
+            </a:pPr>
+            <a:r>
+              <a:rPr lang="hu-HU" dirty="0" smtClean="0">
+                <a:solidFill>
+                  <a:schemeClr val="bg1"/>
+                </a:solidFill>
+              </a:rPr>
+              <a:t>Az első </a:t>
+            </a:r>
+            <a:r>
+              <a:rPr lang="hu-HU" dirty="0" err="1" smtClean="0">
+                <a:solidFill>
+                  <a:schemeClr val="bg1"/>
+                </a:solidFill>
+              </a:rPr>
+              <a:t>aloldalunk</a:t>
+            </a:r>
+            <a:r>
+              <a:rPr lang="hu-HU" dirty="0" smtClean="0">
+                <a:solidFill>
+                  <a:schemeClr val="bg1"/>
+                </a:solidFill>
+              </a:rPr>
+              <a:t> a jelenlegi </a:t>
+            </a:r>
+            <a:r>
+              <a:rPr lang="hu-HU" dirty="0" err="1" smtClean="0">
+                <a:solidFill>
+                  <a:schemeClr val="bg1"/>
+                </a:solidFill>
+              </a:rPr>
+              <a:t>modelleinket</a:t>
+            </a:r>
+            <a:r>
+              <a:rPr lang="hu-HU" dirty="0" smtClean="0">
+                <a:solidFill>
+                  <a:schemeClr val="bg1"/>
+                </a:solidFill>
+              </a:rPr>
+              <a:t> mutatja be. Minden modell egy rövid leírással, képpel és típusokkal van ellátva.</a:t>
+            </a:r>
+            <a:endParaRPr lang="hu-HU" dirty="0">
+              <a:solidFill>
+                <a:schemeClr val="bg1"/>
+              </a:solidFill>
+            </a:endParaRPr>
+          </a:p>
+        </p:txBody>
+      </p:sp>
+      <p:sp>
+        <p:nvSpPr>
+          <p:cNvPr id="4" name="Cím 3"/>
+          <p:cNvSpPr>
+            <a:spLocks noGrp="1"/>
+          </p:cNvSpPr>
+          <p:nvPr>
+            <p:ph type="title"/>
           </p:nvPr>
         </p:nvSpPr>
         <p:spPr/>
@@ -4207,60 +4333,112 @@
           <a:bodyPr/>
           <a:lstStyle/>
           <a:p>
-            <a:endParaRPr lang="hu-HU"/>
-          </a:p>
-        </p:txBody>
-      </p:sp>
-      <p:sp>
-        <p:nvSpPr>
-          <p:cNvPr id="4" name="Élőláb helye 3">
-            <a:extLst>
-              <a:ext uri="{FF2B5EF4-FFF2-40B4-BE49-F238E27FC236}">
-                <a16:creationId xmlns:a16="http://schemas.microsoft.com/office/drawing/2014/main" id="{95FC592F-5A45-4DE4-B48C-9A0180F1CDB9}"/>
-              </a:ext>
-            </a:extLst>
-          </p:cNvPr>
-          <p:cNvSpPr>
-            <a:spLocks noGrp="1"/>
-          </p:cNvSpPr>
-          <p:nvPr>
-            <p:ph type="ftr" sz="quarter" idx="11"/>
-          </p:nvPr>
-        </p:nvSpPr>
-        <p:spPr/>
-        <p:txBody>
-          <a:bodyPr/>
-          <a:lstStyle/>
-          <a:p>
-            <a:r>
-              <a:rPr lang="hu-HU">
-                <a:ln w="3175">
+            <a:pPr algn="ctr"/>
+            <a:r>
+              <a:rPr lang="hu-HU" dirty="0" smtClean="0">
+                <a:ln>
                   <a:solidFill>
-                    <a:schemeClr val="bg1"/>
+                    <a:schemeClr val="tx1"/>
                   </a:solidFill>
                 </a:ln>
                 <a:solidFill>
+                  <a:schemeClr val="bg1"/>
+                </a:solidFill>
+              </a:rPr>
+              <a:t>1. </a:t>
+            </a:r>
+            <a:r>
+              <a:rPr lang="hu-HU" dirty="0" err="1">
+                <a:ln>
+                  <a:solidFill>
+                    <a:schemeClr val="tx1"/>
+                  </a:solidFill>
+                </a:ln>
+                <a:solidFill>
+                  <a:schemeClr val="bg1"/>
+                </a:solidFill>
+              </a:rPr>
+              <a:t>A</a:t>
+            </a:r>
+            <a:r>
+              <a:rPr lang="hu-HU" dirty="0" err="1" smtClean="0">
+                <a:ln>
+                  <a:solidFill>
+                    <a:schemeClr val="tx1"/>
+                  </a:solidFill>
+                </a:ln>
+                <a:solidFill>
+                  <a:schemeClr val="bg1"/>
+                </a:solidFill>
+              </a:rPr>
+              <a:t>loldal</a:t>
+            </a:r>
+            <a:endParaRPr lang="hu-HU" dirty="0">
+              <a:ln>
+                <a:solidFill>
                   <a:schemeClr val="tx1"/>
                 </a:solidFill>
-              </a:rPr>
-              <a:t>Készítők: Ackermann Roland; Blümmel Zétény; Csizmazia Máté</a:t>
-            </a:r>
-          </a:p>
-          <a:p>
-            <a:endParaRPr lang="hu-HU" dirty="0"/>
-          </a:p>
-        </p:txBody>
-      </p:sp>
+              </a:ln>
+              <a:solidFill>
+                <a:schemeClr val="bg1"/>
+              </a:solidFill>
+            </a:endParaRPr>
+          </a:p>
+        </p:txBody>
+      </p:sp>
+      <p:pic>
+        <p:nvPicPr>
+          <p:cNvPr id="5" name="Kép 4"/>
+          <p:cNvPicPr>
+            <a:picLocks noChangeAspect="1"/>
+          </p:cNvPicPr>
+          <p:nvPr/>
+        </p:nvPicPr>
+        <p:blipFill>
+          <a:blip r:embed="rId2"/>
+          <a:stretch>
+            <a:fillRect/>
+          </a:stretch>
+        </p:blipFill>
+        <p:spPr>
+          <a:xfrm>
+            <a:off x="0" y="4832452"/>
+            <a:ext cx="12192000" cy="2025548"/>
+          </a:xfrm>
+          <a:prstGeom prst="rect">
+            <a:avLst/>
+          </a:prstGeom>
+        </p:spPr>
+      </p:pic>
     </p:spTree>
     <p:extLst>
       <p:ext uri="{BB962C8B-B14F-4D97-AF65-F5344CB8AC3E}">
-        <p14:creationId xmlns:p14="http://schemas.microsoft.com/office/powerpoint/2010/main" val="3547012303"/>
+        <p14:creationId xmlns:p14="http://schemas.microsoft.com/office/powerpoint/2010/main" val="3038814633"/>
       </p:ext>
     </p:extLst>
   </p:cSld>
   <p:clrMapOvr>
     <a:masterClrMapping/>
   </p:clrMapOvr>
+  <mc:AlternateContent xmlns:mc="http://schemas.openxmlformats.org/markup-compatibility/2006">
+    <mc:Choice xmlns:p14="http://schemas.microsoft.com/office/powerpoint/2010/main" Requires="p14">
+      <p:transition spd="med" p14:dur="700">
+        <p:fade/>
+      </p:transition>
+    </mc:Choice>
+    <mc:Fallback>
+      <p:transition spd="med">
+        <p:fade/>
+      </p:transition>
+    </mc:Fallback>
+  </mc:AlternateContent>
+  <p:timing>
+    <p:tnLst>
+      <p:par>
+        <p:cTn id="1" dur="indefinite" restart="never" nodeType="tmRoot"/>
+      </p:par>
+    </p:tnLst>
+  </p:timing>
 </p:sld>
 </file>
 
@@ -4286,7 +4464,7 @@
           <p:cNvPr id="2" name="Cím 1">
             <a:extLst>
               <a:ext uri="{FF2B5EF4-FFF2-40B4-BE49-F238E27FC236}">
-                <a16:creationId xmlns:a16="http://schemas.microsoft.com/office/drawing/2014/main" id="{3FF18F48-E746-4B8D-BD17-7506B795A90F}"/>
+                <a16:creationId xmlns:a16="http://schemas.microsoft.com/office/drawing/2014/main" id="{4151341C-0A61-4D9B-B5F3-83DF76419862}"/>
               </a:ext>
             </a:extLst>
           </p:cNvPr>
@@ -4299,7 +4477,7 @@
         </p:nvSpPr>
         <p:spPr>
           <a:xfrm>
-            <a:off x="838200" y="365125"/>
+            <a:off x="904875" y="0"/>
             <a:ext cx="10515600" cy="1325563"/>
           </a:xfrm>
         </p:spPr>
@@ -4307,68 +4485,114 @@
           <a:bodyPr/>
           <a:lstStyle/>
           <a:p>
-            <a:endParaRPr lang="hu-HU"/>
-          </a:p>
-        </p:txBody>
-      </p:sp>
-      <p:sp>
-        <p:nvSpPr>
-          <p:cNvPr id="3" name="Tartalom helye 2">
-            <a:extLst>
-              <a:ext uri="{FF2B5EF4-FFF2-40B4-BE49-F238E27FC236}">
-                <a16:creationId xmlns:a16="http://schemas.microsoft.com/office/drawing/2014/main" id="{F776D79B-133F-4DFD-9747-39C3193270DE}"/>
-              </a:ext>
-            </a:extLst>
-          </p:cNvPr>
-          <p:cNvSpPr>
-            <a:spLocks noGrp="1"/>
-          </p:cNvSpPr>
-          <p:nvPr>
-            <p:ph idx="1"/>
-          </p:nvPr>
-        </p:nvSpPr>
-        <p:spPr/>
-        <p:txBody>
-          <a:bodyPr/>
-          <a:lstStyle/>
-          <a:p>
-            <a:endParaRPr lang="hu-HU"/>
-          </a:p>
-        </p:txBody>
-      </p:sp>
-      <p:sp>
-        <p:nvSpPr>
-          <p:cNvPr id="4" name="Élőláb helye 3">
-            <a:extLst>
-              <a:ext uri="{FF2B5EF4-FFF2-40B4-BE49-F238E27FC236}">
-                <a16:creationId xmlns:a16="http://schemas.microsoft.com/office/drawing/2014/main" id="{9154A1E1-BB19-4552-89A3-DB931B99C411}"/>
-              </a:ext>
-            </a:extLst>
-          </p:cNvPr>
-          <p:cNvSpPr>
-            <a:spLocks noGrp="1"/>
-          </p:cNvSpPr>
-          <p:nvPr>
-            <p:ph type="ftr" sz="quarter" idx="11"/>
-          </p:nvPr>
-        </p:nvSpPr>
-        <p:spPr/>
-        <p:txBody>
-          <a:bodyPr/>
-          <a:lstStyle/>
-          <a:p>
-            <a:r>
-              <a:rPr lang="hu-HU">
-                <a:ln w="3175">
+            <a:pPr algn="ctr"/>
+            <a:r>
+              <a:rPr lang="hu-HU" dirty="0" smtClean="0">
+                <a:ln>
                   <a:solidFill>
-                    <a:schemeClr val="bg1"/>
+                    <a:schemeClr val="tx1"/>
                   </a:solidFill>
                 </a:ln>
                 <a:solidFill>
+                  <a:schemeClr val="bg1"/>
+                </a:solidFill>
+              </a:rPr>
+              <a:t>2. </a:t>
+            </a:r>
+            <a:r>
+              <a:rPr lang="hu-HU" dirty="0" err="1" smtClean="0">
+                <a:ln>
+                  <a:solidFill>
+                    <a:schemeClr val="tx1"/>
+                  </a:solidFill>
+                </a:ln>
+                <a:solidFill>
+                  <a:schemeClr val="bg1"/>
+                </a:solidFill>
+              </a:rPr>
+              <a:t>Aloldal</a:t>
+            </a:r>
+            <a:endParaRPr lang="hu-HU" dirty="0">
+              <a:ln>
+                <a:solidFill>
                   <a:schemeClr val="tx1"/>
                 </a:solidFill>
+              </a:ln>
+              <a:solidFill>
+                <a:schemeClr val="bg1"/>
+              </a:solidFill>
+            </a:endParaRPr>
+          </a:p>
+        </p:txBody>
+      </p:sp>
+      <p:sp>
+        <p:nvSpPr>
+          <p:cNvPr id="3" name="Tartalom helye 2">
+            <a:extLst>
+              <a:ext uri="{FF2B5EF4-FFF2-40B4-BE49-F238E27FC236}">
+                <a16:creationId xmlns:a16="http://schemas.microsoft.com/office/drawing/2014/main" id="{F6CBC685-C3E8-4BBD-86A8-4097A9DA9CCB}"/>
+              </a:ext>
+            </a:extLst>
+          </p:cNvPr>
+          <p:cNvSpPr>
+            <a:spLocks noGrp="1"/>
+          </p:cNvSpPr>
+          <p:nvPr>
+            <p:ph idx="1"/>
+          </p:nvPr>
+        </p:nvSpPr>
+        <p:spPr>
+          <a:xfrm>
+            <a:off x="0" y="1539875"/>
+            <a:ext cx="12192000" cy="4351338"/>
+          </a:xfrm>
+        </p:spPr>
+        <p:txBody>
+          <a:bodyPr/>
+          <a:lstStyle/>
+          <a:p>
+            <a:pPr marL="0" indent="0">
+              <a:buNone/>
+            </a:pPr>
+            <a:r>
+              <a:rPr lang="hu-HU" dirty="0" smtClean="0">
+                <a:solidFill>
+                  <a:schemeClr val="bg1"/>
+                </a:solidFill>
               </a:rPr>
-              <a:t>Készítők: Ackermann Roland; Blümmel Zétény; Csizmazia Máté</a:t>
+              <a:t>A 2. </a:t>
+            </a:r>
+            <a:r>
+              <a:rPr lang="hu-HU" dirty="0" err="1" smtClean="0">
+                <a:solidFill>
+                  <a:schemeClr val="bg1"/>
+                </a:solidFill>
+              </a:rPr>
+              <a:t>aloldalunk</a:t>
+            </a:r>
+            <a:r>
+              <a:rPr lang="hu-HU" dirty="0" smtClean="0">
+                <a:solidFill>
+                  <a:schemeClr val="bg1"/>
+                </a:solidFill>
+              </a:rPr>
+              <a:t> a konfigurálás lehetőségét mutatja be röviden összefoglalva. Szóba kerül a </a:t>
+            </a:r>
+            <a:r>
+              <a:rPr lang="hu-HU" dirty="0" err="1" smtClean="0">
+                <a:solidFill>
+                  <a:schemeClr val="bg1"/>
+                </a:solidFill>
+              </a:rPr>
+              <a:t>testreszabás</a:t>
+            </a:r>
+            <a:r>
+              <a:rPr lang="hu-HU" dirty="0" smtClean="0">
+                <a:solidFill>
+                  <a:schemeClr val="bg1"/>
+                </a:solidFill>
+              </a:rPr>
+              <a:t>, kiegészítési lehetőségek és a pénzügyi szolgáltatások.</a:t>
             </a:r>
           </a:p>
           <a:p>
@@ -4376,16 +4600,59 @@
           </a:p>
         </p:txBody>
       </p:sp>
+      <p:pic>
+        <p:nvPicPr>
+          <p:cNvPr id="5" name="Kép 4"/>
+          <p:cNvPicPr>
+            <a:picLocks noChangeAspect="1"/>
+          </p:cNvPicPr>
+          <p:nvPr/>
+        </p:nvPicPr>
+        <p:blipFill>
+          <a:blip r:embed="rId2"/>
+          <a:stretch>
+            <a:fillRect/>
+          </a:stretch>
+        </p:blipFill>
+        <p:spPr>
+          <a:xfrm>
+            <a:off x="1797720" y="2541810"/>
+            <a:ext cx="8596560" cy="4316190"/>
+          </a:xfrm>
+          <a:prstGeom prst="rect">
+            <a:avLst/>
+          </a:prstGeom>
+        </p:spPr>
+      </p:pic>
     </p:spTree>
     <p:extLst>
       <p:ext uri="{BB962C8B-B14F-4D97-AF65-F5344CB8AC3E}">
-        <p14:creationId xmlns:p14="http://schemas.microsoft.com/office/powerpoint/2010/main" val="992922609"/>
+        <p14:creationId xmlns:p14="http://schemas.microsoft.com/office/powerpoint/2010/main" val="3547012303"/>
       </p:ext>
     </p:extLst>
   </p:cSld>
   <p:clrMapOvr>
     <a:masterClrMapping/>
   </p:clrMapOvr>
+  <mc:AlternateContent xmlns:mc="http://schemas.openxmlformats.org/markup-compatibility/2006">
+    <mc:Choice xmlns:p14="http://schemas.microsoft.com/office/powerpoint/2010/main" Requires="p14">
+      <p:transition spd="med" p14:dur="700">
+        <p:fade/>
+      </p:transition>
+    </mc:Choice>
+    <mc:Fallback>
+      <p:transition spd="med">
+        <p:fade/>
+      </p:transition>
+    </mc:Fallback>
+  </mc:AlternateContent>
+  <p:timing>
+    <p:tnLst>
+      <p:par>
+        <p:cTn id="1" dur="indefinite" restart="never" nodeType="tmRoot"/>
+      </p:par>
+    </p:tnLst>
+  </p:timing>
 </p:sld>
 </file>
 
@@ -4408,6 +4675,377 @@
       </p:grpSpPr>
       <p:sp>
         <p:nvSpPr>
+          <p:cNvPr id="2" name="Tartalom helye 1"/>
+          <p:cNvSpPr>
+            <a:spLocks noGrp="1"/>
+          </p:cNvSpPr>
+          <p:nvPr>
+            <p:ph idx="1"/>
+          </p:nvPr>
+        </p:nvSpPr>
+        <p:spPr>
+          <a:xfrm>
+            <a:off x="0" y="1325563"/>
+            <a:ext cx="12192000" cy="4351338"/>
+          </a:xfrm>
+        </p:spPr>
+        <p:txBody>
+          <a:bodyPr/>
+          <a:lstStyle/>
+          <a:p>
+            <a:pPr marL="0" indent="0">
+              <a:buNone/>
+            </a:pPr>
+            <a:r>
+              <a:rPr lang="hu-HU" dirty="0" smtClean="0">
+                <a:solidFill>
+                  <a:schemeClr val="bg1"/>
+                </a:solidFill>
+              </a:rPr>
+              <a:t>A 3. </a:t>
+            </a:r>
+            <a:r>
+              <a:rPr lang="hu-HU" dirty="0" err="1" smtClean="0">
+                <a:solidFill>
+                  <a:schemeClr val="bg1"/>
+                </a:solidFill>
+              </a:rPr>
+              <a:t>aloldalunkon</a:t>
+            </a:r>
+            <a:r>
+              <a:rPr lang="hu-HU" dirty="0" smtClean="0">
+                <a:solidFill>
+                  <a:schemeClr val="bg1"/>
+                </a:solidFill>
+              </a:rPr>
+              <a:t> az eredetünket, történetünket mutatjuk be. A kezdetektől egészen a jelenig. Képekkel kiegészítve olvashatja el a felhasználó az eredetünket.</a:t>
+            </a:r>
+            <a:endParaRPr lang="hu-HU" dirty="0">
+              <a:solidFill>
+                <a:schemeClr val="bg1"/>
+              </a:solidFill>
+            </a:endParaRPr>
+          </a:p>
+        </p:txBody>
+      </p:sp>
+      <p:sp>
+        <p:nvSpPr>
+          <p:cNvPr id="4" name="Cím 3"/>
+          <p:cNvSpPr>
+            <a:spLocks noGrp="1"/>
+          </p:cNvSpPr>
+          <p:nvPr>
+            <p:ph type="title"/>
+          </p:nvPr>
+        </p:nvSpPr>
+        <p:spPr>
+          <a:xfrm>
+            <a:off x="838200" y="0"/>
+            <a:ext cx="10515600" cy="1325563"/>
+          </a:xfrm>
+        </p:spPr>
+        <p:txBody>
+          <a:bodyPr/>
+          <a:lstStyle/>
+          <a:p>
+            <a:pPr algn="ctr"/>
+            <a:r>
+              <a:rPr lang="hu-HU" dirty="0" smtClean="0">
+                <a:ln>
+                  <a:solidFill>
+                    <a:schemeClr val="tx1"/>
+                  </a:solidFill>
+                </a:ln>
+                <a:solidFill>
+                  <a:schemeClr val="bg1"/>
+                </a:solidFill>
+              </a:rPr>
+              <a:t>3. </a:t>
+            </a:r>
+            <a:r>
+              <a:rPr lang="hu-HU" dirty="0" err="1" smtClean="0">
+                <a:ln>
+                  <a:solidFill>
+                    <a:schemeClr val="tx1"/>
+                  </a:solidFill>
+                </a:ln>
+                <a:solidFill>
+                  <a:schemeClr val="bg1"/>
+                </a:solidFill>
+              </a:rPr>
+              <a:t>Aloldal</a:t>
+            </a:r>
+            <a:endParaRPr lang="hu-HU" dirty="0">
+              <a:ln>
+                <a:solidFill>
+                  <a:schemeClr val="tx1"/>
+                </a:solidFill>
+              </a:ln>
+              <a:solidFill>
+                <a:schemeClr val="bg1"/>
+              </a:solidFill>
+            </a:endParaRPr>
+          </a:p>
+        </p:txBody>
+      </p:sp>
+      <p:pic>
+        <p:nvPicPr>
+          <p:cNvPr id="5" name="Kép 4"/>
+          <p:cNvPicPr>
+            <a:picLocks noChangeAspect="1"/>
+          </p:cNvPicPr>
+          <p:nvPr/>
+        </p:nvPicPr>
+        <p:blipFill>
+          <a:blip r:embed="rId2"/>
+          <a:stretch>
+            <a:fillRect/>
+          </a:stretch>
+        </p:blipFill>
+        <p:spPr>
+          <a:xfrm>
+            <a:off x="1797720" y="2532856"/>
+            <a:ext cx="8596560" cy="4325144"/>
+          </a:xfrm>
+          <a:prstGeom prst="rect">
+            <a:avLst/>
+          </a:prstGeom>
+        </p:spPr>
+      </p:pic>
+    </p:spTree>
+    <p:extLst>
+      <p:ext uri="{BB962C8B-B14F-4D97-AF65-F5344CB8AC3E}">
+        <p14:creationId xmlns:p14="http://schemas.microsoft.com/office/powerpoint/2010/main" val="3191160230"/>
+      </p:ext>
+    </p:extLst>
+  </p:cSld>
+  <p:clrMapOvr>
+    <a:masterClrMapping/>
+  </p:clrMapOvr>
+  <mc:AlternateContent xmlns:mc="http://schemas.openxmlformats.org/markup-compatibility/2006">
+    <mc:Choice xmlns:p14="http://schemas.microsoft.com/office/powerpoint/2010/main" Requires="p14">
+      <p:transition spd="med" p14:dur="700">
+        <p:fade/>
+      </p:transition>
+    </mc:Choice>
+    <mc:Fallback>
+      <p:transition spd="med">
+        <p:fade/>
+      </p:transition>
+    </mc:Fallback>
+  </mc:AlternateContent>
+  <p:timing>
+    <p:tnLst>
+      <p:par>
+        <p:cTn id="1" dur="indefinite" restart="never" nodeType="tmRoot"/>
+      </p:par>
+    </p:tnLst>
+  </p:timing>
+</p:sld>
+</file>
+
+<file path=ppt/slides/slide6.xml><?xml version="1.0" encoding="utf-8"?>
+<p:sld xmlns:a="http://schemas.openxmlformats.org/drawingml/2006/main" xmlns:r="http://schemas.openxmlformats.org/officeDocument/2006/relationships" xmlns:p="http://schemas.openxmlformats.org/presentationml/2006/main">
+  <p:cSld>
+    <p:spTree>
+      <p:nvGrpSpPr>
+        <p:cNvPr id="1" name=""/>
+        <p:cNvGrpSpPr/>
+        <p:nvPr/>
+      </p:nvGrpSpPr>
+      <p:grpSpPr>
+        <a:xfrm>
+          <a:off x="0" y="0"/>
+          <a:ext cx="0" cy="0"/>
+          <a:chOff x="0" y="0"/>
+          <a:chExt cx="0" cy="0"/>
+        </a:xfrm>
+      </p:grpSpPr>
+      <p:sp>
+        <p:nvSpPr>
+          <p:cNvPr id="2" name="Tartalom helye 1"/>
+          <p:cNvSpPr>
+            <a:spLocks noGrp="1"/>
+          </p:cNvSpPr>
+          <p:nvPr>
+            <p:ph idx="1"/>
+          </p:nvPr>
+        </p:nvSpPr>
+        <p:spPr>
+          <a:xfrm>
+            <a:off x="0" y="1539875"/>
+            <a:ext cx="12192000" cy="4351338"/>
+          </a:xfrm>
+        </p:spPr>
+        <p:txBody>
+          <a:bodyPr/>
+          <a:lstStyle/>
+          <a:p>
+            <a:pPr marL="0" indent="0">
+              <a:buNone/>
+            </a:pPr>
+            <a:r>
+              <a:rPr lang="hu-HU" dirty="0" smtClean="0">
+                <a:solidFill>
+                  <a:schemeClr val="bg1"/>
+                </a:solidFill>
+              </a:rPr>
+              <a:t>A 4. </a:t>
+            </a:r>
+            <a:r>
+              <a:rPr lang="hu-HU" dirty="0" err="1" smtClean="0">
+                <a:solidFill>
+                  <a:schemeClr val="bg1"/>
+                </a:solidFill>
+              </a:rPr>
+              <a:t>aloldalunkon</a:t>
+            </a:r>
+            <a:r>
+              <a:rPr lang="hu-HU" dirty="0" smtClean="0">
+                <a:solidFill>
+                  <a:schemeClr val="bg1"/>
+                </a:solidFill>
+              </a:rPr>
+              <a:t> a kérdőív tölthető ki. Ha kitölti a kérdőívünket, azzal segíti a jövőbeli munkáinkat, hogy egy még jobb vállalat lehessünk, jobb minőségű autókat gyárthassunk</a:t>
+            </a:r>
+          </a:p>
+        </p:txBody>
+      </p:sp>
+      <p:sp>
+        <p:nvSpPr>
+          <p:cNvPr id="4" name="Cím 3"/>
+          <p:cNvSpPr>
+            <a:spLocks noGrp="1"/>
+          </p:cNvSpPr>
+          <p:nvPr>
+            <p:ph type="title"/>
+          </p:nvPr>
+        </p:nvSpPr>
+        <p:spPr>
+          <a:xfrm>
+            <a:off x="838200" y="0"/>
+            <a:ext cx="10515600" cy="1325563"/>
+          </a:xfrm>
+        </p:spPr>
+        <p:txBody>
+          <a:bodyPr/>
+          <a:lstStyle/>
+          <a:p>
+            <a:pPr algn="ctr"/>
+            <a:r>
+              <a:rPr lang="hu-HU" dirty="0" smtClean="0">
+                <a:ln>
+                  <a:solidFill>
+                    <a:schemeClr val="tx1"/>
+                  </a:solidFill>
+                </a:ln>
+                <a:solidFill>
+                  <a:schemeClr val="bg1"/>
+                </a:solidFill>
+              </a:rPr>
+              <a:t>4. </a:t>
+            </a:r>
+            <a:r>
+              <a:rPr lang="hu-HU" dirty="0" err="1" smtClean="0">
+                <a:ln>
+                  <a:solidFill>
+                    <a:schemeClr val="tx1"/>
+                  </a:solidFill>
+                </a:ln>
+                <a:solidFill>
+                  <a:schemeClr val="bg1"/>
+                </a:solidFill>
+              </a:rPr>
+              <a:t>Aloldal</a:t>
+            </a:r>
+            <a:endParaRPr lang="hu-HU" dirty="0">
+              <a:ln>
+                <a:solidFill>
+                  <a:schemeClr val="tx1"/>
+                </a:solidFill>
+              </a:ln>
+              <a:solidFill>
+                <a:schemeClr val="bg1"/>
+              </a:solidFill>
+            </a:endParaRPr>
+          </a:p>
+        </p:txBody>
+      </p:sp>
+      <p:pic>
+        <p:nvPicPr>
+          <p:cNvPr id="5" name="Kép 4"/>
+          <p:cNvPicPr>
+            <a:picLocks noChangeAspect="1"/>
+          </p:cNvPicPr>
+          <p:nvPr/>
+        </p:nvPicPr>
+        <p:blipFill>
+          <a:blip r:embed="rId2"/>
+          <a:stretch>
+            <a:fillRect/>
+          </a:stretch>
+        </p:blipFill>
+        <p:spPr>
+          <a:xfrm>
+            <a:off x="570862" y="3232128"/>
+            <a:ext cx="11050276" cy="3625872"/>
+          </a:xfrm>
+          <a:prstGeom prst="rect">
+            <a:avLst/>
+          </a:prstGeom>
+        </p:spPr>
+      </p:pic>
+    </p:spTree>
+    <p:extLst>
+      <p:ext uri="{BB962C8B-B14F-4D97-AF65-F5344CB8AC3E}">
+        <p14:creationId xmlns:p14="http://schemas.microsoft.com/office/powerpoint/2010/main" val="1714532883"/>
+      </p:ext>
+    </p:extLst>
+  </p:cSld>
+  <p:clrMapOvr>
+    <a:masterClrMapping/>
+  </p:clrMapOvr>
+  <mc:AlternateContent xmlns:mc="http://schemas.openxmlformats.org/markup-compatibility/2006">
+    <mc:Choice xmlns:p14="http://schemas.microsoft.com/office/powerpoint/2010/main" Requires="p14">
+      <p:transition spd="med" p14:dur="700">
+        <p:fade/>
+      </p:transition>
+    </mc:Choice>
+    <mc:Fallback>
+      <p:transition spd="med">
+        <p:fade/>
+      </p:transition>
+    </mc:Fallback>
+  </mc:AlternateContent>
+  <p:timing>
+    <p:tnLst>
+      <p:par>
+        <p:cTn id="1" dur="indefinite" restart="never" nodeType="tmRoot"/>
+      </p:par>
+    </p:tnLst>
+  </p:timing>
+</p:sld>
+</file>
+
+<file path=ppt/slides/slide7.xml><?xml version="1.0" encoding="utf-8"?>
+<p:sld xmlns:a="http://schemas.openxmlformats.org/drawingml/2006/main" xmlns:r="http://schemas.openxmlformats.org/officeDocument/2006/relationships" xmlns:p="http://schemas.openxmlformats.org/presentationml/2006/main">
+  <p:cSld>
+    <p:spTree>
+      <p:nvGrpSpPr>
+        <p:cNvPr id="1" name=""/>
+        <p:cNvGrpSpPr/>
+        <p:nvPr/>
+      </p:nvGrpSpPr>
+      <p:grpSpPr>
+        <a:xfrm>
+          <a:off x="0" y="0"/>
+          <a:ext cx="0" cy="0"/>
+          <a:chOff x="0" y="0"/>
+          <a:chExt cx="0" cy="0"/>
+        </a:xfrm>
+      </p:grpSpPr>
+      <p:sp>
+        <p:nvSpPr>
           <p:cNvPr id="2" name="Cím 1">
             <a:extLst>
               <a:ext uri="{FF2B5EF4-FFF2-40B4-BE49-F238E27FC236}">
@@ -4436,106 +5074,120 @@
           <a:p>
             <a:pPr algn="ctr"/>
             <a:r>
-              <a:rPr lang="hu-HU" sz="6000" dirty="0"/>
-              <a:t>Ki mivel foglalkozott?</a:t>
-            </a:r>
-          </a:p>
-        </p:txBody>
-      </p:sp>
-      <p:sp>
-        <p:nvSpPr>
-          <p:cNvPr id="3" name="Tartalom helye 2">
-            <a:extLst>
-              <a:ext uri="{FF2B5EF4-FFF2-40B4-BE49-F238E27FC236}">
-                <a16:creationId xmlns:a16="http://schemas.microsoft.com/office/drawing/2014/main" id="{A9E2604A-59E3-4128-BADE-AFFD3D32B204}"/>
-              </a:ext>
-            </a:extLst>
-          </p:cNvPr>
-          <p:cNvSpPr>
-            <a:spLocks noGrp="1"/>
-          </p:cNvSpPr>
-          <p:nvPr>
-            <p:ph idx="1"/>
-          </p:nvPr>
-        </p:nvSpPr>
-        <p:spPr/>
-        <p:txBody>
-          <a:bodyPr/>
-          <a:lstStyle/>
-          <a:p>
-            <a:pPr marL="0" indent="0">
-              <a:buNone/>
-            </a:pPr>
-            <a:r>
-              <a:rPr lang="hu-HU" dirty="0"/>
-              <a:t>Roland: képek és szövegek; egy aloldal; űrlap</a:t>
-            </a:r>
-          </a:p>
-          <a:p>
-            <a:pPr marL="0" indent="0">
-              <a:buNone/>
-            </a:pPr>
-            <a:r>
-              <a:rPr lang="hu-HU" dirty="0"/>
-              <a:t>Zétény: főoldal; </a:t>
-            </a:r>
-            <a:r>
-              <a:rPr lang="hu-HU" dirty="0" err="1"/>
-              <a:t>css</a:t>
-            </a:r>
-            <a:r>
-              <a:rPr lang="hu-HU" dirty="0"/>
-              <a:t> és design; prezentációt</a:t>
-            </a:r>
-          </a:p>
-          <a:p>
-            <a:pPr marL="0" indent="0">
-              <a:buNone/>
-            </a:pPr>
-            <a:r>
-              <a:rPr lang="hu-HU" dirty="0"/>
-              <a:t>Máté: Aloldalak; űrlap; prezentáció</a:t>
-            </a:r>
-          </a:p>
-        </p:txBody>
-      </p:sp>
-      <p:sp>
-        <p:nvSpPr>
-          <p:cNvPr id="4" name="Élőláb helye 3">
-            <a:extLst>
-              <a:ext uri="{FF2B5EF4-FFF2-40B4-BE49-F238E27FC236}">
-                <a16:creationId xmlns:a16="http://schemas.microsoft.com/office/drawing/2014/main" id="{E2FBFD29-73C1-404D-9A1C-C3E452774EC9}"/>
-              </a:ext>
-            </a:extLst>
-          </p:cNvPr>
-          <p:cNvSpPr>
-            <a:spLocks noGrp="1"/>
-          </p:cNvSpPr>
-          <p:nvPr>
-            <p:ph type="ftr" sz="quarter" idx="11"/>
-          </p:nvPr>
-        </p:nvSpPr>
-        <p:spPr/>
-        <p:txBody>
-          <a:bodyPr/>
-          <a:lstStyle/>
-          <a:p>
-            <a:r>
-              <a:rPr lang="hu-HU">
-                <a:ln w="3175">
+              <a:rPr lang="hu-HU" sz="6000" dirty="0">
+                <a:ln>
                   <a:solidFill>
-                    <a:schemeClr val="bg1"/>
+                    <a:schemeClr val="tx1"/>
                   </a:solidFill>
                 </a:ln>
                 <a:solidFill>
-                  <a:schemeClr val="tx1"/>
+                  <a:schemeClr val="bg1"/>
                 </a:solidFill>
               </a:rPr>
-              <a:t>Készítők: Ackermann Roland; Blümmel Zétény; Csizmazia Máté</a:t>
-            </a:r>
-          </a:p>
-          <a:p>
-            <a:endParaRPr lang="hu-HU" dirty="0"/>
+              <a:t>Ki mivel foglalkozott?</a:t>
+            </a:r>
+          </a:p>
+        </p:txBody>
+      </p:sp>
+      <p:sp>
+        <p:nvSpPr>
+          <p:cNvPr id="3" name="Tartalom helye 2">
+            <a:extLst>
+              <a:ext uri="{FF2B5EF4-FFF2-40B4-BE49-F238E27FC236}">
+                <a16:creationId xmlns:a16="http://schemas.microsoft.com/office/drawing/2014/main" id="{A9E2604A-59E3-4128-BADE-AFFD3D32B204}"/>
+              </a:ext>
+            </a:extLst>
+          </p:cNvPr>
+          <p:cNvSpPr>
+            <a:spLocks noGrp="1"/>
+          </p:cNvSpPr>
+          <p:nvPr>
+            <p:ph idx="1"/>
+          </p:nvPr>
+        </p:nvSpPr>
+        <p:spPr/>
+        <p:txBody>
+          <a:bodyPr/>
+          <a:lstStyle/>
+          <a:p>
+            <a:pPr marL="0" indent="0">
+              <a:buNone/>
+            </a:pPr>
+            <a:r>
+              <a:rPr lang="hu-HU" dirty="0">
+                <a:ln>
+                  <a:solidFill>
+                    <a:schemeClr val="tx1"/>
+                  </a:solidFill>
+                </a:ln>
+                <a:solidFill>
+                  <a:schemeClr val="bg1"/>
+                </a:solidFill>
+              </a:rPr>
+              <a:t>Roland: képek és szövegek; egy aloldal; űrlap</a:t>
+            </a:r>
+          </a:p>
+          <a:p>
+            <a:pPr marL="0" indent="0">
+              <a:buNone/>
+            </a:pPr>
+            <a:r>
+              <a:rPr lang="hu-HU" dirty="0">
+                <a:ln>
+                  <a:solidFill>
+                    <a:schemeClr val="tx1"/>
+                  </a:solidFill>
+                </a:ln>
+                <a:solidFill>
+                  <a:schemeClr val="bg1"/>
+                </a:solidFill>
+              </a:rPr>
+              <a:t>Zétény: főoldal; </a:t>
+            </a:r>
+            <a:r>
+              <a:rPr lang="hu-HU" dirty="0" err="1">
+                <a:ln>
+                  <a:solidFill>
+                    <a:schemeClr val="tx1"/>
+                  </a:solidFill>
+                </a:ln>
+                <a:solidFill>
+                  <a:schemeClr val="bg1"/>
+                </a:solidFill>
+              </a:rPr>
+              <a:t>css</a:t>
+            </a:r>
+            <a:r>
+              <a:rPr lang="hu-HU" dirty="0">
+                <a:ln>
+                  <a:solidFill>
+                    <a:schemeClr val="tx1"/>
+                  </a:solidFill>
+                </a:ln>
+                <a:solidFill>
+                  <a:schemeClr val="bg1"/>
+                </a:solidFill>
+              </a:rPr>
+              <a:t> és design; prezentációt</a:t>
+            </a:r>
+          </a:p>
+          <a:p>
+            <a:pPr marL="0" indent="0">
+              <a:buNone/>
+            </a:pPr>
+            <a:r>
+              <a:rPr lang="hu-HU" dirty="0">
+                <a:ln>
+                  <a:solidFill>
+                    <a:schemeClr val="tx1"/>
+                  </a:solidFill>
+                </a:ln>
+                <a:solidFill>
+                  <a:schemeClr val="bg1"/>
+                </a:solidFill>
+              </a:rPr>
+              <a:t>Máté: Aloldalak; űrlap; prezentáció</a:t>
+            </a:r>
           </a:p>
         </p:txBody>
       </p:sp>
@@ -4549,6 +5201,425 @@
   <p:clrMapOvr>
     <a:masterClrMapping/>
   </p:clrMapOvr>
+  <mc:AlternateContent xmlns:mc="http://schemas.openxmlformats.org/markup-compatibility/2006">
+    <mc:Choice xmlns:p14="http://schemas.microsoft.com/office/powerpoint/2010/main" Requires="p14">
+      <p:transition spd="med" p14:dur="700">
+        <p:fade/>
+      </p:transition>
+    </mc:Choice>
+    <mc:Fallback>
+      <p:transition spd="med">
+        <p:fade/>
+      </p:transition>
+    </mc:Fallback>
+  </mc:AlternateContent>
+  <p:timing>
+    <p:tnLst>
+      <p:par>
+        <p:cTn id="1" dur="indefinite" restart="never" nodeType="tmRoot">
+          <p:childTnLst>
+            <p:seq concurrent="1" nextAc="seek">
+              <p:cTn id="2" dur="indefinite" nodeType="mainSeq">
+                <p:childTnLst>
+                  <p:par>
+                    <p:cTn id="3" fill="hold">
+                      <p:stCondLst>
+                        <p:cond delay="indefinite"/>
+                        <p:cond evt="onBegin" delay="0">
+                          <p:tn val="2"/>
+                        </p:cond>
+                      </p:stCondLst>
+                      <p:childTnLst>
+                        <p:par>
+                          <p:cTn id="4" fill="hold">
+                            <p:stCondLst>
+                              <p:cond delay="0"/>
+                            </p:stCondLst>
+                            <p:childTnLst>
+                              <p:par>
+                                <p:cTn id="5" presetID="14" presetClass="entr" presetSubtype="10" fill="hold" nodeType="withEffect">
+                                  <p:stCondLst>
+                                    <p:cond delay="500"/>
+                                  </p:stCondLst>
+                                  <p:childTnLst>
+                                    <p:set>
+                                      <p:cBhvr>
+                                        <p:cTn id="6" dur="1" fill="hold">
+                                          <p:stCondLst>
+                                            <p:cond delay="0"/>
+                                          </p:stCondLst>
+                                        </p:cTn>
+                                        <p:tgtEl>
+                                          <p:spTgt spid="3">
+                                            <p:txEl>
+                                              <p:pRg st="0" end="0"/>
+                                            </p:txEl>
+                                          </p:spTgt>
+                                        </p:tgtEl>
+                                        <p:attrNameLst>
+                                          <p:attrName>style.visibility</p:attrName>
+                                        </p:attrNameLst>
+                                      </p:cBhvr>
+                                      <p:to>
+                                        <p:strVal val="visible"/>
+                                      </p:to>
+                                    </p:set>
+                                    <p:animEffect transition="in" filter="randombar(horizontal)">
+                                      <p:cBhvr>
+                                        <p:cTn id="7" dur="500"/>
+                                        <p:tgtEl>
+                                          <p:spTgt spid="3">
+                                            <p:txEl>
+                                              <p:pRg st="0" end="0"/>
+                                            </p:txEl>
+                                          </p:spTgt>
+                                        </p:tgtEl>
+                                      </p:cBhvr>
+                                    </p:animEffect>
+                                  </p:childTnLst>
+                                </p:cTn>
+                              </p:par>
+                            </p:childTnLst>
+                          </p:cTn>
+                        </p:par>
+                        <p:par>
+                          <p:cTn id="8" fill="hold">
+                            <p:stCondLst>
+                              <p:cond delay="1000"/>
+                            </p:stCondLst>
+                            <p:childTnLst>
+                              <p:par>
+                                <p:cTn id="9" presetID="14" presetClass="entr" presetSubtype="10" fill="hold" nodeType="afterEffect">
+                                  <p:stCondLst>
+                                    <p:cond delay="0"/>
+                                  </p:stCondLst>
+                                  <p:childTnLst>
+                                    <p:set>
+                                      <p:cBhvr>
+                                        <p:cTn id="10" dur="1" fill="hold">
+                                          <p:stCondLst>
+                                            <p:cond delay="0"/>
+                                          </p:stCondLst>
+                                        </p:cTn>
+                                        <p:tgtEl>
+                                          <p:spTgt spid="3">
+                                            <p:txEl>
+                                              <p:pRg st="1" end="1"/>
+                                            </p:txEl>
+                                          </p:spTgt>
+                                        </p:tgtEl>
+                                        <p:attrNameLst>
+                                          <p:attrName>style.visibility</p:attrName>
+                                        </p:attrNameLst>
+                                      </p:cBhvr>
+                                      <p:to>
+                                        <p:strVal val="visible"/>
+                                      </p:to>
+                                    </p:set>
+                                    <p:animEffect transition="in" filter="randombar(horizontal)">
+                                      <p:cBhvr>
+                                        <p:cTn id="11" dur="500"/>
+                                        <p:tgtEl>
+                                          <p:spTgt spid="3">
+                                            <p:txEl>
+                                              <p:pRg st="1" end="1"/>
+                                            </p:txEl>
+                                          </p:spTgt>
+                                        </p:tgtEl>
+                                      </p:cBhvr>
+                                    </p:animEffect>
+                                  </p:childTnLst>
+                                </p:cTn>
+                              </p:par>
+                            </p:childTnLst>
+                          </p:cTn>
+                        </p:par>
+                        <p:par>
+                          <p:cTn id="12" fill="hold">
+                            <p:stCondLst>
+                              <p:cond delay="1500"/>
+                            </p:stCondLst>
+                            <p:childTnLst>
+                              <p:par>
+                                <p:cTn id="13" presetID="14" presetClass="entr" presetSubtype="10" fill="hold" nodeType="afterEffect">
+                                  <p:stCondLst>
+                                    <p:cond delay="500"/>
+                                  </p:stCondLst>
+                                  <p:childTnLst>
+                                    <p:set>
+                                      <p:cBhvr>
+                                        <p:cTn id="14" dur="1" fill="hold">
+                                          <p:stCondLst>
+                                            <p:cond delay="0"/>
+                                          </p:stCondLst>
+                                        </p:cTn>
+                                        <p:tgtEl>
+                                          <p:spTgt spid="3">
+                                            <p:txEl>
+                                              <p:pRg st="2" end="2"/>
+                                            </p:txEl>
+                                          </p:spTgt>
+                                        </p:tgtEl>
+                                        <p:attrNameLst>
+                                          <p:attrName>style.visibility</p:attrName>
+                                        </p:attrNameLst>
+                                      </p:cBhvr>
+                                      <p:to>
+                                        <p:strVal val="visible"/>
+                                      </p:to>
+                                    </p:set>
+                                    <p:animEffect transition="in" filter="randombar(horizontal)">
+                                      <p:cBhvr>
+                                        <p:cTn id="15" dur="500"/>
+                                        <p:tgtEl>
+                                          <p:spTgt spid="3">
+                                            <p:txEl>
+                                              <p:pRg st="2" end="2"/>
+                                            </p:txEl>
+                                          </p:spTgt>
+                                        </p:tgtEl>
+                                      </p:cBhvr>
+                                    </p:animEffect>
+                                  </p:childTnLst>
+                                </p:cTn>
+                              </p:par>
+                            </p:childTnLst>
+                          </p:cTn>
+                        </p:par>
+                      </p:childTnLst>
+                    </p:cTn>
+                  </p:par>
+                </p:childTnLst>
+              </p:cTn>
+              <p:prevCondLst>
+                <p:cond evt="onPrev" delay="0">
+                  <p:tgtEl>
+                    <p:sldTgt/>
+                  </p:tgtEl>
+                </p:cond>
+              </p:prevCondLst>
+              <p:nextCondLst>
+                <p:cond evt="onNext" delay="0">
+                  <p:tgtEl>
+                    <p:sldTgt/>
+                  </p:tgtEl>
+                </p:cond>
+              </p:nextCondLst>
+            </p:seq>
+          </p:childTnLst>
+        </p:cTn>
+      </p:par>
+    </p:tnLst>
+  </p:timing>
+</p:sld>
+</file>
+
+<file path=ppt/slides/slide8.xml><?xml version="1.0" encoding="utf-8"?>
+<p:sld xmlns:a="http://schemas.openxmlformats.org/drawingml/2006/main" xmlns:r="http://schemas.openxmlformats.org/officeDocument/2006/relationships" xmlns:p="http://schemas.openxmlformats.org/presentationml/2006/main">
+  <p:cSld>
+    <p:spTree>
+      <p:nvGrpSpPr>
+        <p:cNvPr id="1" name=""/>
+        <p:cNvGrpSpPr/>
+        <p:nvPr/>
+      </p:nvGrpSpPr>
+      <p:grpSpPr>
+        <a:xfrm>
+          <a:off x="0" y="0"/>
+          <a:ext cx="0" cy="0"/>
+          <a:chOff x="0" y="0"/>
+          <a:chExt cx="0" cy="0"/>
+        </a:xfrm>
+      </p:grpSpPr>
+      <p:sp>
+        <p:nvSpPr>
+          <p:cNvPr id="3" name="Élőláb helye 2"/>
+          <p:cNvSpPr>
+            <a:spLocks noGrp="1"/>
+          </p:cNvSpPr>
+          <p:nvPr>
+            <p:ph type="ftr" sz="quarter" idx="11"/>
+          </p:nvPr>
+        </p:nvSpPr>
+        <p:spPr/>
+        <p:txBody>
+          <a:bodyPr/>
+          <a:lstStyle/>
+          <a:p>
+            <a:r>
+              <a:rPr lang="hu-HU" smtClean="0">
+                <a:ln w="3175">
+                  <a:solidFill>
+                    <a:schemeClr val="bg1"/>
+                  </a:solidFill>
+                </a:ln>
+                <a:solidFill>
+                  <a:schemeClr val="tx1"/>
+                </a:solidFill>
+              </a:rPr>
+              <a:t>Készítők: Ackermann Roland; Blümmel Zétény; Csizmazia Máté</a:t>
+            </a:r>
+          </a:p>
+          <a:p>
+            <a:endParaRPr lang="hu-HU" dirty="0"/>
+          </a:p>
+        </p:txBody>
+      </p:sp>
+      <p:sp>
+        <p:nvSpPr>
+          <p:cNvPr id="4" name="Cím 3"/>
+          <p:cNvSpPr>
+            <a:spLocks noGrp="1"/>
+          </p:cNvSpPr>
+          <p:nvPr>
+            <p:ph type="title"/>
+          </p:nvPr>
+        </p:nvSpPr>
+        <p:spPr>
+          <a:xfrm>
+            <a:off x="838200" y="984250"/>
+            <a:ext cx="10515600" cy="1325563"/>
+          </a:xfrm>
+        </p:spPr>
+        <p:txBody>
+          <a:bodyPr/>
+          <a:lstStyle/>
+          <a:p>
+            <a:pPr algn="ctr"/>
+            <a:r>
+              <a:rPr lang="hu-HU" dirty="0" smtClean="0"/>
+              <a:t>Köszönjük a figyelmet!</a:t>
+            </a:r>
+            <a:endParaRPr lang="hu-HU" dirty="0"/>
+          </a:p>
+        </p:txBody>
+      </p:sp>
+      <p:pic>
+        <p:nvPicPr>
+          <p:cNvPr id="5" name="Kép 4"/>
+          <p:cNvPicPr>
+            <a:picLocks noChangeAspect="1"/>
+          </p:cNvPicPr>
+          <p:nvPr/>
+        </p:nvPicPr>
+        <p:blipFill>
+          <a:blip r:embed="rId2" cstate="hqprint">
+            <a:extLst>
+              <a:ext uri="{28A0092B-C50C-407E-A947-70E740481C1C}">
+                <a14:useLocalDpi xmlns:a14="http://schemas.microsoft.com/office/drawing/2010/main" val="0"/>
+              </a:ext>
+            </a:extLst>
+          </a:blip>
+          <a:stretch>
+            <a:fillRect/>
+          </a:stretch>
+        </p:blipFill>
+        <p:spPr>
+          <a:xfrm>
+            <a:off x="4970486" y="2716451"/>
+            <a:ext cx="2251028" cy="2569924"/>
+          </a:xfrm>
+          <a:prstGeom prst="rect">
+            <a:avLst/>
+          </a:prstGeom>
+        </p:spPr>
+      </p:pic>
+    </p:spTree>
+    <p:extLst>
+      <p:ext uri="{BB962C8B-B14F-4D97-AF65-F5344CB8AC3E}">
+        <p14:creationId xmlns:p14="http://schemas.microsoft.com/office/powerpoint/2010/main" val="2852891801"/>
+      </p:ext>
+    </p:extLst>
+  </p:cSld>
+  <p:clrMapOvr>
+    <a:masterClrMapping/>
+  </p:clrMapOvr>
+  <p:timing>
+    <p:tnLst>
+      <p:par>
+        <p:cTn id="1" dur="indefinite" restart="never" nodeType="tmRoot">
+          <p:childTnLst>
+            <p:seq concurrent="1" nextAc="seek">
+              <p:cTn id="2" dur="indefinite" nodeType="mainSeq">
+                <p:childTnLst>
+                  <p:par>
+                    <p:cTn id="3" fill="hold">
+                      <p:stCondLst>
+                        <p:cond delay="indefinite"/>
+                        <p:cond evt="onBegin" delay="0">
+                          <p:tn val="2"/>
+                        </p:cond>
+                      </p:stCondLst>
+                      <p:childTnLst>
+                        <p:par>
+                          <p:cTn id="4" fill="hold">
+                            <p:stCondLst>
+                              <p:cond delay="0"/>
+                            </p:stCondLst>
+                            <p:childTnLst>
+                              <p:par>
+                                <p:cTn id="5" presetID="16" presetClass="entr" presetSubtype="21" fill="hold" nodeType="afterEffect">
+                                  <p:stCondLst>
+                                    <p:cond delay="500"/>
+                                  </p:stCondLst>
+                                  <p:childTnLst>
+                                    <p:set>
+                                      <p:cBhvr>
+                                        <p:cTn id="6" dur="1" fill="hold">
+                                          <p:stCondLst>
+                                            <p:cond delay="0"/>
+                                          </p:stCondLst>
+                                        </p:cTn>
+                                        <p:tgtEl>
+                                          <p:spTgt spid="5"/>
+                                        </p:tgtEl>
+                                        <p:attrNameLst>
+                                          <p:attrName>style.visibility</p:attrName>
+                                        </p:attrNameLst>
+                                      </p:cBhvr>
+                                      <p:to>
+                                        <p:strVal val="visible"/>
+                                      </p:to>
+                                    </p:set>
+                                    <p:animEffect transition="in" filter="barn(inVertical)">
+                                      <p:cBhvr>
+                                        <p:cTn id="7" dur="500"/>
+                                        <p:tgtEl>
+                                          <p:spTgt spid="5"/>
+                                        </p:tgtEl>
+                                      </p:cBhvr>
+                                    </p:animEffect>
+                                  </p:childTnLst>
+                                </p:cTn>
+                              </p:par>
+                            </p:childTnLst>
+                          </p:cTn>
+                        </p:par>
+                      </p:childTnLst>
+                    </p:cTn>
+                  </p:par>
+                </p:childTnLst>
+              </p:cTn>
+              <p:prevCondLst>
+                <p:cond evt="onPrev" delay="0">
+                  <p:tgtEl>
+                    <p:sldTgt/>
+                  </p:tgtEl>
+                </p:cond>
+              </p:prevCondLst>
+              <p:nextCondLst>
+                <p:cond evt="onNext" delay="0">
+                  <p:tgtEl>
+                    <p:sldTgt/>
+                  </p:tgtEl>
+                </p:cond>
+              </p:nextCondLst>
+            </p:seq>
+          </p:childTnLst>
+        </p:cTn>
+      </p:par>
+    </p:tnLst>
+  </p:timing>
 </p:sld>
 </file>
 
